--- a/Documents/TB 2015.01.21.pptx
+++ b/Documents/TB 2015.01.21.pptx
@@ -7758,13 +7758,8 @@
             </a:r>
             <a:r>
               <a:rPr lang="fr-FR" dirty="0" smtClean="0"/>
-              <a:t>le </a:t>
+              <a:t>le 25/11/14</a:t>
             </a:r>
-            <a:r>
-              <a:rPr lang="fr-FR" dirty="0" smtClean="0"/>
-              <a:t>25/11/14</a:t>
-            </a:r>
-            <a:endParaRPr lang="fr-FR" dirty="0" smtClean="0"/>
           </a:p>
           <a:p>
             <a:endParaRPr lang="fr-FR" b="0" i="1" dirty="0"/>
@@ -8157,11 +8152,7 @@
             </a:r>
             <a:r>
               <a:rPr lang="fr-FR" dirty="0" smtClean="0"/>
-              <a:t>25</a:t>
-            </a:r>
-            <a:r>
-              <a:rPr lang="fr-FR" dirty="0" smtClean="0"/>
-              <a:t>/11/14 </a:t>
+              <a:t>25/11/14 </a:t>
             </a:r>
             <a:r>
               <a:rPr lang="fr-FR" dirty="0"/>
@@ -8170,10 +8161,6 @@
             <a:r>
               <a:rPr lang="fr-FR" dirty="0" smtClean="0"/>
               <a:t>21/01/15</a:t>
-            </a:r>
-            <a:r>
-              <a:rPr lang="fr-FR" dirty="0" smtClean="0"/>
-              <a:t/>
             </a:r>
             <a:br>
               <a:rPr lang="fr-FR" dirty="0" smtClean="0"/>
@@ -8442,15 +8429,7 @@
                       </a:pPr>
                       <a:r>
                         <a:rPr lang="fr-FR" sz="1400" b="0" i="0" baseline="0" noProof="0" dirty="0" smtClean="0"/>
-                        <a:t>- Maintenir le WBS </a:t>
-                      </a:r>
-                      <a:r>
-                        <a:rPr lang="fr-FR" sz="1400" b="0" i="0" baseline="0" noProof="0" dirty="0" smtClean="0"/>
-                        <a:t>: </a:t>
-                      </a:r>
-                      <a:r>
-                        <a:rPr lang="fr-FR" sz="1400" b="0" i="0" baseline="0" noProof="0" dirty="0" smtClean="0"/>
-                        <a:t>1j/h</a:t>
+                        <a:t>- Maintenir le WBS : 1j/h</a:t>
                       </a:r>
                     </a:p>
                     <a:p>
@@ -8473,17 +8452,8 @@
                       </a:pPr>
                       <a:r>
                         <a:rPr lang="fr-FR" sz="1400" b="0" i="0" baseline="0" noProof="0" dirty="0" smtClean="0"/>
-                        <a:t>- </a:t>
+                        <a:t>- Réalisation du lot 1 : 6j/h</a:t>
                       </a:r>
-                      <a:r>
-                        <a:rPr lang="fr-FR" sz="1400" b="0" i="0" baseline="0" noProof="0" dirty="0" smtClean="0"/>
-                        <a:t>Réalisation du lot 1 : </a:t>
-                      </a:r>
-                      <a:r>
-                        <a:rPr lang="fr-FR" sz="1400" b="0" i="0" baseline="0" noProof="0" dirty="0" smtClean="0"/>
-                        <a:t>6j/h</a:t>
-                      </a:r>
-                      <a:endParaRPr lang="fr-FR" sz="1400" b="0" i="0" baseline="0" noProof="0" dirty="0" smtClean="0"/>
                     </a:p>
                     <a:p>
                       <a:pPr marL="0" marR="0" indent="0" algn="l" defTabSz="914400" rtl="0" eaLnBrk="1" fontAlgn="auto" latinLnBrk="0" hangingPunct="1">
@@ -8505,13 +8475,8 @@
                       </a:pPr>
                       <a:r>
                         <a:rPr lang="fr-FR" sz="1400" b="0" i="0" baseline="0" noProof="0" dirty="0" smtClean="0"/>
-                        <a:t>- Réunion avec le client le </a:t>
+                        <a:t>- Réunion avec le client le 08/01/15</a:t>
                       </a:r>
-                      <a:r>
-                        <a:rPr lang="fr-FR" sz="1400" b="0" i="0" baseline="0" noProof="0" dirty="0" smtClean="0"/>
-                        <a:t>08/01/15</a:t>
-                      </a:r>
-                      <a:endParaRPr lang="fr-FR" sz="1400" b="0" i="0" baseline="0" noProof="0" dirty="0" smtClean="0"/>
                     </a:p>
                   </a:txBody>
                   <a:tcPr>
@@ -8717,7 +8682,6 @@
                         <a:rPr lang="fr-FR" sz="1400" b="0" i="0" baseline="0" noProof="0" dirty="0" smtClean="0"/>
                         <a:t>- Préparer la présentation du 30/01/15 : 2j/h</a:t>
                       </a:r>
-                      <a:endParaRPr lang="fr-FR" sz="1400" b="0" i="0" baseline="0" noProof="0" dirty="0" smtClean="0"/>
                     </a:p>
                   </a:txBody>
                   <a:tcPr>
@@ -8954,29 +8918,7 @@
                           <a:ea typeface="+mn-ea"/>
                           <a:cs typeface="+mn-cs"/>
                         </a:rPr>
-                        <a:t>- Gros </a:t>
-                      </a:r>
-                      <a:r>
-                        <a:rPr lang="fr-FR" sz="1400" b="0" i="0" kern="1200" baseline="0" noProof="0" dirty="0" smtClean="0">
-                          <a:solidFill>
-                            <a:schemeClr val="tx1"/>
-                          </a:solidFill>
-                          <a:latin typeface="+mn-lt"/>
-                          <a:ea typeface="+mn-ea"/>
-                          <a:cs typeface="+mn-cs"/>
-                        </a:rPr>
-                        <a:t>travail demandé sur les autres </a:t>
-                      </a:r>
-                      <a:r>
-                        <a:rPr lang="fr-FR" sz="1400" b="0" i="0" kern="1200" baseline="0" noProof="0" dirty="0" smtClean="0">
-                          <a:solidFill>
-                            <a:schemeClr val="tx1"/>
-                          </a:solidFill>
-                          <a:latin typeface="+mn-lt"/>
-                          <a:ea typeface="+mn-ea"/>
-                          <a:cs typeface="+mn-cs"/>
-                        </a:rPr>
-                        <a:t>projets</a:t>
+                        <a:t>- Gros travail demandé sur les autres projets</a:t>
                       </a:r>
                     </a:p>
                     <a:p>
@@ -9310,7 +9252,6 @@
               <a:rPr lang="en-US" sz="1800" dirty="0"/>
               <a:t>TB 2015.01.21</a:t>
             </a:r>
-            <a:endParaRPr lang="en-US" sz="1800" dirty="0"/>
           </a:p>
         </p:txBody>
       </p:sp>
@@ -9438,7 +9379,7 @@
           <p:nvPr>
             <p:extLst>
               <p:ext uri="{D42A27DB-BD31-4B8C-83A1-F6EECF244321}">
-                <p14:modId xmlns:p14="http://schemas.microsoft.com/office/powerpoint/2010/main" val="1794186298"/>
+                <p14:modId xmlns:p14="http://schemas.microsoft.com/office/powerpoint/2010/main" val="2898034991"/>
               </p:ext>
             </p:extLst>
           </p:nvPr>
@@ -10756,7 +10697,7 @@
                             <a:schemeClr val="tx1"/>
                           </a:solidFill>
                         </a:rPr>
-                        <a:t>0%</a:t>
+                        <a:t>15%</a:t>
                       </a:r>
                       <a:endParaRPr lang="fr-FR" sz="1400" dirty="0">
                         <a:solidFill>
@@ -10940,7 +10881,7 @@
                             <a:schemeClr val="tx1"/>
                           </a:solidFill>
                         </a:rPr>
-                        <a:t>90%</a:t>
+                        <a:t>80%</a:t>
                       </a:r>
                       <a:endParaRPr lang="fr-FR" sz="1400" dirty="0">
                         <a:solidFill>
@@ -10986,7 +10927,6 @@
               <a:rPr lang="en-US" dirty="0"/>
               <a:t>TB 2015.01.21</a:t>
             </a:r>
-            <a:endParaRPr lang="en-US" dirty="0"/>
           </a:p>
         </p:txBody>
       </p:sp>
@@ -11100,7 +11040,7 @@
           <p:nvPr>
             <p:extLst>
               <p:ext uri="{D42A27DB-BD31-4B8C-83A1-F6EECF244321}">
-                <p14:modId xmlns:p14="http://schemas.microsoft.com/office/powerpoint/2010/main" val="4102024276"/>
+                <p14:modId xmlns:p14="http://schemas.microsoft.com/office/powerpoint/2010/main" val="3139429057"/>
               </p:ext>
             </p:extLst>
           </p:nvPr>
@@ -11590,12 +11530,6 @@
                         </a:rPr>
                         <a:t>28/11/14</a:t>
                       </a:r>
-                      <a:endParaRPr lang="fr-FR" sz="1400" dirty="0" smtClean="0">
-                        <a:solidFill>
-                          <a:schemeClr val="tx1"/>
-                        </a:solidFill>
-                        <a:latin typeface="+mn-lt"/>
-                      </a:endParaRPr>
                     </a:p>
                   </a:txBody>
                   <a:tcPr/>
@@ -11759,7 +11693,7 @@
                           </a:solidFill>
                           <a:latin typeface="+mn-lt"/>
                         </a:rPr>
-                        <a:t>0%</a:t>
+                        <a:t>15%</a:t>
                       </a:r>
                       <a:endParaRPr lang="fr-FR" sz="1400" dirty="0">
                         <a:solidFill>
@@ -11906,16 +11840,7 @@
                           </a:solidFill>
                           <a:latin typeface="+mn-lt"/>
                         </a:rPr>
-                        <a:t>90</a:t>
-                      </a:r>
-                      <a:r>
-                        <a:rPr lang="fr-FR" sz="1400" dirty="0" smtClean="0">
-                          <a:solidFill>
-                            <a:schemeClr val="tx1"/>
-                          </a:solidFill>
-                          <a:latin typeface="+mn-lt"/>
-                        </a:rPr>
-                        <a:t>%</a:t>
+                        <a:t>80%</a:t>
                       </a:r>
                       <a:endParaRPr lang="fr-FR" sz="1400" dirty="0">
                         <a:solidFill>
@@ -12390,7 +12315,6 @@
               <a:rPr lang="en-US" dirty="0"/>
               <a:t>TB 2015.01.21</a:t>
             </a:r>
-            <a:endParaRPr lang="en-US" dirty="0"/>
           </a:p>
         </p:txBody>
       </p:sp>
@@ -12499,7 +12423,7 @@
           <p:nvPr>
             <p:extLst>
               <p:ext uri="{D42A27DB-BD31-4B8C-83A1-F6EECF244321}">
-                <p14:modId xmlns:p14="http://schemas.microsoft.com/office/powerpoint/2010/main" val="1383531433"/>
+                <p14:modId xmlns:p14="http://schemas.microsoft.com/office/powerpoint/2010/main" val="3007839996"/>
               </p:ext>
             </p:extLst>
           </p:nvPr>
@@ -12836,7 +12760,7 @@
                           </a:solidFill>
                           <a:latin typeface="+mn-lt"/>
                         </a:rPr>
-                        <a:t>0%</a:t>
+                        <a:t>15%</a:t>
                       </a:r>
                       <a:endParaRPr lang="fr-FR" sz="1400" b="0" i="0" dirty="0">
                         <a:solidFill>
@@ -12944,7 +12868,7 @@
                           </a:solidFill>
                           <a:latin typeface="+mn-lt"/>
                         </a:rPr>
-                        <a:t>0%</a:t>
+                        <a:t>80%</a:t>
                       </a:r>
                       <a:endParaRPr lang="fr-FR" sz="1400" b="0" i="0" dirty="0">
                         <a:solidFill>
@@ -15270,42 +15194,9 @@
               <a:rPr lang="en-US" sz="1800" dirty="0"/>
               <a:t>TB 2015.01.21</a:t>
             </a:r>
-            <a:endParaRPr lang="en-US" sz="1800" dirty="0"/>
           </a:p>
         </p:txBody>
       </p:sp>
-      <p:pic>
-        <p:nvPicPr>
-          <p:cNvPr id="17" name="Picture 63" descr="MCj04325890000[1]"/>
-          <p:cNvPicPr>
-            <a:picLocks noChangeAspect="1" noChangeArrowheads="1"/>
-          </p:cNvPicPr>
-          <p:nvPr/>
-        </p:nvPicPr>
-        <p:blipFill>
-          <a:blip r:embed="rId8" cstate="print"/>
-          <a:srcRect/>
-          <a:stretch>
-            <a:fillRect/>
-          </a:stretch>
-        </p:blipFill>
-        <p:spPr bwMode="auto">
-          <a:xfrm>
-            <a:off x="702422" y="2793178"/>
-            <a:ext cx="360000" cy="360000"/>
-          </a:xfrm>
-          <a:prstGeom prst="rect">
-            <a:avLst/>
-          </a:prstGeom>
-          <a:noFill/>
-          <a:ln w="9525">
-            <a:noFill/>
-            <a:miter lim="800000"/>
-            <a:headEnd/>
-            <a:tailEnd/>
-          </a:ln>
-        </p:spPr>
-      </p:pic>
       <p:pic>
         <p:nvPicPr>
           <p:cNvPr id="18" name="Picture 62"/>
@@ -15517,6 +15408,38 @@
           <a:xfrm>
             <a:off x="3501564" y="4700986"/>
             <a:ext cx="272416" cy="296914"/>
+          </a:xfrm>
+          <a:prstGeom prst="rect">
+            <a:avLst/>
+          </a:prstGeom>
+          <a:noFill/>
+          <a:ln w="9525">
+            <a:noFill/>
+            <a:miter lim="800000"/>
+            <a:headEnd/>
+            <a:tailEnd/>
+          </a:ln>
+        </p:spPr>
+      </p:pic>
+      <p:pic>
+        <p:nvPicPr>
+          <p:cNvPr id="25" name="Picture 57" descr="MCj04325870000[1]"/>
+          <p:cNvPicPr>
+            <a:picLocks noChangeAspect="1" noChangeArrowheads="1"/>
+          </p:cNvPicPr>
+          <p:nvPr/>
+        </p:nvPicPr>
+        <p:blipFill>
+          <a:blip r:embed="rId2" cstate="print"/>
+          <a:srcRect/>
+          <a:stretch>
+            <a:fillRect/>
+          </a:stretch>
+        </p:blipFill>
+        <p:spPr bwMode="auto">
+          <a:xfrm>
+            <a:off x="611560" y="2801218"/>
+            <a:ext cx="360000" cy="360000"/>
           </a:xfrm>
           <a:prstGeom prst="rect">
             <a:avLst/>

--- a/Documents/TB 2015.01.21.pptx
+++ b/Documents/TB 2015.01.21.pptx
@@ -243,7 +243,7 @@
               <a:pPr>
                 <a:defRPr/>
               </a:pPr>
-              <a:t>21/01/2015</a:t>
+              <a:t>22/01/2015</a:t>
             </a:fld>
             <a:endParaRPr lang="fr-FR"/>
           </a:p>
@@ -8208,7 +8208,7 @@
             <p:ph idx="1"/>
             <p:extLst>
               <p:ext uri="{D42A27DB-BD31-4B8C-83A1-F6EECF244321}">
-                <p14:modId xmlns:p14="http://schemas.microsoft.com/office/powerpoint/2010/main" val="2267854067"/>
+                <p14:modId xmlns:p14="http://schemas.microsoft.com/office/powerpoint/2010/main" val="1124246050"/>
               </p:ext>
             </p:extLst>
           </p:nvPr>
@@ -8542,7 +8542,15 @@
                       </a:pPr>
                       <a:r>
                         <a:rPr lang="fr-FR" sz="1400" b="0" i="0" baseline="0" noProof="0" dirty="0" smtClean="0"/>
-                        <a:t>- Réalisation du kit de livraison : 8j/h</a:t>
+                        <a:t>- Réalisation </a:t>
+                      </a:r>
+                      <a:r>
+                        <a:rPr lang="fr-FR" sz="1400" b="0" i="0" baseline="0" noProof="0" dirty="0" smtClean="0"/>
+                        <a:t>du kit de livraison : </a:t>
+                      </a:r>
+                      <a:r>
+                        <a:rPr lang="fr-FR" sz="1400" b="0" i="0" baseline="0" noProof="0" dirty="0" smtClean="0"/>
+                        <a:t>9j/h</a:t>
                       </a:r>
                     </a:p>
                     <a:p>
@@ -8565,30 +8573,11 @@
                       </a:pPr>
                       <a:r>
                         <a:rPr lang="fr-FR" sz="1400" b="0" i="0" baseline="0" noProof="0" dirty="0" smtClean="0"/>
-                        <a:t>- Définir le plan du rapport : 1j/h</a:t>
+                        <a:t>- </a:t>
                       </a:r>
-                    </a:p>
-                    <a:p>
-                      <a:pPr marL="0" marR="0" indent="0" algn="l" defTabSz="914400" rtl="0" eaLnBrk="1" fontAlgn="auto" latinLnBrk="0" hangingPunct="1">
-                        <a:lnSpc>
-                          <a:spcPct val="100000"/>
-                        </a:lnSpc>
-                        <a:spcBef>
-                          <a:spcPts val="0"/>
-                        </a:spcBef>
-                        <a:spcAft>
-                          <a:spcPts val="0"/>
-                        </a:spcAft>
-                        <a:buClrTx/>
-                        <a:buSzTx/>
-                        <a:buFontTx/>
-                        <a:buNone/>
-                        <a:tabLst/>
-                        <a:defRPr/>
-                      </a:pPr>
                       <a:r>
                         <a:rPr lang="fr-FR" sz="1400" b="0" i="0" baseline="0" noProof="0" dirty="0" smtClean="0"/>
-                        <a:t>- Rédiger la STR : 4j/h</a:t>
+                        <a:t>Rédiger la STR : 4j/h</a:t>
                       </a:r>
                     </a:p>
                     <a:p>
@@ -8737,7 +8726,7 @@
           <p:nvPr>
             <p:extLst>
               <p:ext uri="{D42A27DB-BD31-4B8C-83A1-F6EECF244321}">
-                <p14:modId xmlns:p14="http://schemas.microsoft.com/office/powerpoint/2010/main" val="564169502"/>
+                <p14:modId xmlns:p14="http://schemas.microsoft.com/office/powerpoint/2010/main" val="1578793616"/>
               </p:ext>
             </p:extLst>
           </p:nvPr>
@@ -8978,7 +8967,18 @@
                           <a:ea typeface="+mn-ea"/>
                           <a:cs typeface="+mn-cs"/>
                         </a:rPr>
-                        <a:t>- Charge de travail estimée à 24j/h, soit 8j par personne en 9j.</a:t>
+                        <a:t>- Charge de travail estimée à 24j/h, soit 8j par personne en </a:t>
+                      </a:r>
+                      <a:r>
+                        <a:rPr lang="fr-FR" sz="1400" b="0" i="0" kern="1200" baseline="0" noProof="0" dirty="0" smtClean="0">
+                          <a:solidFill>
+                            <a:schemeClr val="tx1"/>
+                          </a:solidFill>
+                          <a:latin typeface="+mn-lt"/>
+                          <a:ea typeface="+mn-ea"/>
+                          <a:cs typeface="+mn-cs"/>
+                        </a:rPr>
+                        <a:t>9j (période de cours)</a:t>
                       </a:r>
                       <a:endParaRPr lang="fr-FR" sz="1400" b="0" i="0" kern="1200" baseline="0" noProof="0" dirty="0">
                         <a:solidFill>
@@ -17116,25 +17116,6 @@
 </file>
 
 <file path=customXml/item1.xml><?xml version="1.0" encoding="utf-8"?>
-<?mso-contentType ?>
-<FormTemplates xmlns="http://schemas.microsoft.com/sharepoint/v3/contenttype/forms">
-  <Display>DocumentLibraryForm</Display>
-  <Edit>DocumentLibraryForm</Edit>
-  <New>DocumentLibraryForm</New>
-</FormTemplates>
-</file>
-
-<file path=customXml/item2.xml><?xml version="1.0" encoding="utf-8"?>
-<p:properties xmlns:p="http://schemas.microsoft.com/office/2006/metadata/properties" xmlns:xsi="http://www.w3.org/2001/XMLSchema-instance" xmlns:pc="http://schemas.microsoft.com/office/infopath/2007/PartnerControls">
-  <documentManagement>
-    <DESCRIPTION0 xmlns="ba304b05-2de2-4a46-be7c-fa23123e7702">Exemple de Modele de TB-projet</DESCRIPTION0>
-    <Cat_x00e9_gorie xmlns="ba304b05-2de2-4a46-be7c-fa23123e7702">Etude</Cat_x00e9_gorie>
-    <Statut xmlns="ba304b05-2de2-4a46-be7c-fa23123e7702">Encours</Statut>
-  </documentManagement>
-</p:properties>
-</file>
-
-<file path=customXml/item3.xml><?xml version="1.0" encoding="utf-8"?>
 <ct:contentTypeSchema xmlns:ct="http://schemas.microsoft.com/office/2006/metadata/contentType" xmlns:ma="http://schemas.microsoft.com/office/2006/metadata/properties/metaAttributes" ct:_="" ma:_="" ma:contentTypeName="Document" ma:contentTypeID="0x010100F4FB27D112975140984A018D31E93D46" ma:contentTypeVersion="6" ma:contentTypeDescription="Crée un document." ma:contentTypeScope="" ma:versionID="cd1a5a7e3b4fab495c8d03ccfa007047">
   <xsd:schema xmlns:xsd="http://www.w3.org/2001/XMLSchema" xmlns:xs="http://www.w3.org/2001/XMLSchema" xmlns:p="http://schemas.microsoft.com/office/2006/metadata/properties" xmlns:ns2="ba304b05-2de2-4a46-be7c-fa23123e7702" targetNamespace="http://schemas.microsoft.com/office/2006/metadata/properties" ma:root="true" ma:fieldsID="17380a433e5f01ac948fc83ff4e94548" ns2:_="">
     <xsd:import namespace="ba304b05-2de2-4a46-be7c-fa23123e7702"/>
@@ -17285,10 +17266,39 @@
 </ct:contentTypeSchema>
 </file>
 
+<file path=customXml/item2.xml><?xml version="1.0" encoding="utf-8"?>
+<p:properties xmlns:p="http://schemas.microsoft.com/office/2006/metadata/properties" xmlns:xsi="http://www.w3.org/2001/XMLSchema-instance" xmlns:pc="http://schemas.microsoft.com/office/infopath/2007/PartnerControls">
+  <documentManagement>
+    <DESCRIPTION0 xmlns="ba304b05-2de2-4a46-be7c-fa23123e7702">Exemple de Modele de TB-projet</DESCRIPTION0>
+    <Cat_x00e9_gorie xmlns="ba304b05-2de2-4a46-be7c-fa23123e7702">Etude</Cat_x00e9_gorie>
+    <Statut xmlns="ba304b05-2de2-4a46-be7c-fa23123e7702">Encours</Statut>
+  </documentManagement>
+</p:properties>
+</file>
+
+<file path=customXml/item3.xml><?xml version="1.0" encoding="utf-8"?>
+<?mso-contentType ?>
+<FormTemplates xmlns="http://schemas.microsoft.com/sharepoint/v3/contenttype/forms">
+  <Display>DocumentLibraryForm</Display>
+  <Edit>DocumentLibraryForm</Edit>
+  <New>DocumentLibraryForm</New>
+</FormTemplates>
+</file>
+
 <file path=customXml/itemProps1.xml><?xml version="1.0" encoding="utf-8"?>
-<ds:datastoreItem xmlns:ds="http://schemas.openxmlformats.org/officeDocument/2006/customXml" ds:itemID="{F4C7E9DD-FD39-4258-ACCA-161BEA35866B}">
+<ds:datastoreItem xmlns:ds="http://schemas.openxmlformats.org/officeDocument/2006/customXml" ds:itemID="{A0A82F11-A615-41E5-B460-7C061A4C892A}">
   <ds:schemaRefs>
-    <ds:schemaRef ds:uri="http://schemas.microsoft.com/sharepoint/v3/contenttype/forms"/>
+    <ds:schemaRef ds:uri="http://schemas.microsoft.com/office/2006/metadata/contentType"/>
+    <ds:schemaRef ds:uri="http://schemas.microsoft.com/office/2006/metadata/properties/metaAttributes"/>
+    <ds:schemaRef ds:uri="http://www.w3.org/2001/XMLSchema"/>
+    <ds:schemaRef ds:uri="http://schemas.microsoft.com/office/2006/metadata/properties"/>
+    <ds:schemaRef ds:uri="ba304b05-2de2-4a46-be7c-fa23123e7702"/>
+    <ds:schemaRef ds:uri="http://schemas.microsoft.com/office/2006/documentManagement/types"/>
+    <ds:schemaRef ds:uri="http://schemas.microsoft.com/office/infopath/2007/PartnerControls"/>
+    <ds:schemaRef ds:uri="http://schemas.openxmlformats.org/package/2006/metadata/core-properties"/>
+    <ds:schemaRef ds:uri="http://purl.org/dc/elements/1.1/"/>
+    <ds:schemaRef ds:uri="http://purl.org/dc/terms/"/>
+    <ds:schemaRef ds:uri="http://schemas.microsoft.com/internal/obd"/>
   </ds:schemaRefs>
 </ds:datastoreItem>
 </file>
@@ -17310,19 +17320,9 @@
 </file>
 
 <file path=customXml/itemProps3.xml><?xml version="1.0" encoding="utf-8"?>
-<ds:datastoreItem xmlns:ds="http://schemas.openxmlformats.org/officeDocument/2006/customXml" ds:itemID="{A0A82F11-A615-41E5-B460-7C061A4C892A}">
+<ds:datastoreItem xmlns:ds="http://schemas.openxmlformats.org/officeDocument/2006/customXml" ds:itemID="{F4C7E9DD-FD39-4258-ACCA-161BEA35866B}">
   <ds:schemaRefs>
-    <ds:schemaRef ds:uri="http://schemas.microsoft.com/office/2006/metadata/contentType"/>
-    <ds:schemaRef ds:uri="http://schemas.microsoft.com/office/2006/metadata/properties/metaAttributes"/>
-    <ds:schemaRef ds:uri="http://www.w3.org/2001/XMLSchema"/>
-    <ds:schemaRef ds:uri="http://schemas.microsoft.com/office/2006/metadata/properties"/>
-    <ds:schemaRef ds:uri="ba304b05-2de2-4a46-be7c-fa23123e7702"/>
-    <ds:schemaRef ds:uri="http://schemas.microsoft.com/office/2006/documentManagement/types"/>
-    <ds:schemaRef ds:uri="http://schemas.microsoft.com/office/infopath/2007/PartnerControls"/>
-    <ds:schemaRef ds:uri="http://schemas.openxmlformats.org/package/2006/metadata/core-properties"/>
-    <ds:schemaRef ds:uri="http://purl.org/dc/elements/1.1/"/>
-    <ds:schemaRef ds:uri="http://purl.org/dc/terms/"/>
-    <ds:schemaRef ds:uri="http://schemas.microsoft.com/internal/obd"/>
+    <ds:schemaRef ds:uri="http://schemas.microsoft.com/sharepoint/v3/contenttype/forms"/>
   </ds:schemaRefs>
 </ds:datastoreItem>
 </file>
--- a/Documents/TB 2015.01.21.pptx
+++ b/Documents/TB 2015.01.21.pptx
@@ -243,7 +243,7 @@
               <a:pPr>
                 <a:defRPr/>
               </a:pPr>
-              <a:t>22/01/2015</a:t>
+              <a:t>24/01/2015</a:t>
             </a:fld>
             <a:endParaRPr lang="fr-FR"/>
           </a:p>
@@ -8542,15 +8542,7 @@
                       </a:pPr>
                       <a:r>
                         <a:rPr lang="fr-FR" sz="1400" b="0" i="0" baseline="0" noProof="0" dirty="0" smtClean="0"/>
-                        <a:t>- Réalisation </a:t>
-                      </a:r>
-                      <a:r>
-                        <a:rPr lang="fr-FR" sz="1400" b="0" i="0" baseline="0" noProof="0" dirty="0" smtClean="0"/>
-                        <a:t>du kit de livraison : </a:t>
-                      </a:r>
-                      <a:r>
-                        <a:rPr lang="fr-FR" sz="1400" b="0" i="0" baseline="0" noProof="0" dirty="0" smtClean="0"/>
-                        <a:t>9j/h</a:t>
+                        <a:t>- Réalisation du kit de livraison : 9j/h</a:t>
                       </a:r>
                     </a:p>
                     <a:p>
@@ -8573,11 +8565,7 @@
                       </a:pPr>
                       <a:r>
                         <a:rPr lang="fr-FR" sz="1400" b="0" i="0" baseline="0" noProof="0" dirty="0" smtClean="0"/>
-                        <a:t>- </a:t>
-                      </a:r>
-                      <a:r>
-                        <a:rPr lang="fr-FR" sz="1400" b="0" i="0" baseline="0" noProof="0" dirty="0" smtClean="0"/>
-                        <a:t>Rédiger la STR : 4j/h</a:t>
+                        <a:t>- Rédiger la STR : 4j/h</a:t>
                       </a:r>
                     </a:p>
                     <a:p>
@@ -8967,18 +8955,7 @@
                           <a:ea typeface="+mn-ea"/>
                           <a:cs typeface="+mn-cs"/>
                         </a:rPr>
-                        <a:t>- Charge de travail estimée à 24j/h, soit 8j par personne en </a:t>
-                      </a:r>
-                      <a:r>
-                        <a:rPr lang="fr-FR" sz="1400" b="0" i="0" kern="1200" baseline="0" noProof="0" dirty="0" smtClean="0">
-                          <a:solidFill>
-                            <a:schemeClr val="tx1"/>
-                          </a:solidFill>
-                          <a:latin typeface="+mn-lt"/>
-                          <a:ea typeface="+mn-ea"/>
-                          <a:cs typeface="+mn-cs"/>
-                        </a:rPr>
-                        <a:t>9j (période de cours)</a:t>
+                        <a:t>- Charge de travail estimée à 24j/h, soit 8j par personne en 9j (période de cours)</a:t>
                       </a:r>
                       <a:endParaRPr lang="fr-FR" sz="1400" b="0" i="0" kern="1200" baseline="0" noProof="0" dirty="0">
                         <a:solidFill>
@@ -9324,19 +9301,20 @@
             </a:r>
             <a:r>
               <a:rPr lang="fr-FR" dirty="0"/>
-              <a:t>du 11/11/14 au </a:t>
+              <a:t>du </a:t>
             </a:r>
             <a:r>
               <a:rPr lang="fr-FR" dirty="0" smtClean="0"/>
-              <a:t>25/11/14</a:t>
+              <a:t>25/11/14 </a:t>
             </a:r>
             <a:r>
-              <a:rPr lang="en-GB" dirty="0"/>
-              <a:t/>
+              <a:rPr lang="fr-FR" dirty="0"/>
+              <a:t>au </a:t>
             </a:r>
-            <a:br>
-              <a:rPr lang="en-GB" dirty="0"/>
-            </a:br>
+            <a:r>
+              <a:rPr lang="fr-FR" dirty="0" smtClean="0"/>
+              <a:t>21/01/15</a:t>
+            </a:r>
             <a:endParaRPr lang="fr-FR" dirty="0"/>
           </a:p>
         </p:txBody>
@@ -10989,14 +10967,14 @@
           <a:p>
             <a:r>
               <a:rPr lang="fr-FR" dirty="0" smtClean="0"/>
-              <a:t>Avancement des livrables au 25/11/14 </a:t>
+              <a:t>Avancement des livrables au </a:t>
             </a:r>
             <a:r>
-              <a:rPr lang="en-GB" dirty="0"/>
-              <a:t/>
+              <a:rPr lang="fr-FR" dirty="0" smtClean="0"/>
+              <a:t>21/01/15</a:t>
             </a:r>
             <a:br>
-              <a:rPr lang="en-GB" dirty="0"/>
+              <a:rPr lang="fr-FR" dirty="0" smtClean="0"/>
             </a:br>
             <a:endParaRPr lang="fr-FR" dirty="0"/>
           </a:p>
@@ -17116,6 +17094,25 @@
 </file>
 
 <file path=customXml/item1.xml><?xml version="1.0" encoding="utf-8"?>
+<?mso-contentType ?>
+<FormTemplates xmlns="http://schemas.microsoft.com/sharepoint/v3/contenttype/forms">
+  <Display>DocumentLibraryForm</Display>
+  <Edit>DocumentLibraryForm</Edit>
+  <New>DocumentLibraryForm</New>
+</FormTemplates>
+</file>
+
+<file path=customXml/item2.xml><?xml version="1.0" encoding="utf-8"?>
+<p:properties xmlns:p="http://schemas.microsoft.com/office/2006/metadata/properties" xmlns:xsi="http://www.w3.org/2001/XMLSchema-instance" xmlns:pc="http://schemas.microsoft.com/office/infopath/2007/PartnerControls">
+  <documentManagement>
+    <DESCRIPTION0 xmlns="ba304b05-2de2-4a46-be7c-fa23123e7702">Exemple de Modele de TB-projet</DESCRIPTION0>
+    <Cat_x00e9_gorie xmlns="ba304b05-2de2-4a46-be7c-fa23123e7702">Etude</Cat_x00e9_gorie>
+    <Statut xmlns="ba304b05-2de2-4a46-be7c-fa23123e7702">Encours</Statut>
+  </documentManagement>
+</p:properties>
+</file>
+
+<file path=customXml/item3.xml><?xml version="1.0" encoding="utf-8"?>
 <ct:contentTypeSchema xmlns:ct="http://schemas.microsoft.com/office/2006/metadata/contentType" xmlns:ma="http://schemas.microsoft.com/office/2006/metadata/properties/metaAttributes" ct:_="" ma:_="" ma:contentTypeName="Document" ma:contentTypeID="0x010100F4FB27D112975140984A018D31E93D46" ma:contentTypeVersion="6" ma:contentTypeDescription="Crée un document." ma:contentTypeScope="" ma:versionID="cd1a5a7e3b4fab495c8d03ccfa007047">
   <xsd:schema xmlns:xsd="http://www.w3.org/2001/XMLSchema" xmlns:xs="http://www.w3.org/2001/XMLSchema" xmlns:p="http://schemas.microsoft.com/office/2006/metadata/properties" xmlns:ns2="ba304b05-2de2-4a46-be7c-fa23123e7702" targetNamespace="http://schemas.microsoft.com/office/2006/metadata/properties" ma:root="true" ma:fieldsID="17380a433e5f01ac948fc83ff4e94548" ns2:_="">
     <xsd:import namespace="ba304b05-2de2-4a46-be7c-fa23123e7702"/>
@@ -17266,39 +17263,10 @@
 </ct:contentTypeSchema>
 </file>
 
-<file path=customXml/item2.xml><?xml version="1.0" encoding="utf-8"?>
-<p:properties xmlns:p="http://schemas.microsoft.com/office/2006/metadata/properties" xmlns:xsi="http://www.w3.org/2001/XMLSchema-instance" xmlns:pc="http://schemas.microsoft.com/office/infopath/2007/PartnerControls">
-  <documentManagement>
-    <DESCRIPTION0 xmlns="ba304b05-2de2-4a46-be7c-fa23123e7702">Exemple de Modele de TB-projet</DESCRIPTION0>
-    <Cat_x00e9_gorie xmlns="ba304b05-2de2-4a46-be7c-fa23123e7702">Etude</Cat_x00e9_gorie>
-    <Statut xmlns="ba304b05-2de2-4a46-be7c-fa23123e7702">Encours</Statut>
-  </documentManagement>
-</p:properties>
-</file>
-
-<file path=customXml/item3.xml><?xml version="1.0" encoding="utf-8"?>
-<?mso-contentType ?>
-<FormTemplates xmlns="http://schemas.microsoft.com/sharepoint/v3/contenttype/forms">
-  <Display>DocumentLibraryForm</Display>
-  <Edit>DocumentLibraryForm</Edit>
-  <New>DocumentLibraryForm</New>
-</FormTemplates>
-</file>
-
 <file path=customXml/itemProps1.xml><?xml version="1.0" encoding="utf-8"?>
-<ds:datastoreItem xmlns:ds="http://schemas.openxmlformats.org/officeDocument/2006/customXml" ds:itemID="{A0A82F11-A615-41E5-B460-7C061A4C892A}">
+<ds:datastoreItem xmlns:ds="http://schemas.openxmlformats.org/officeDocument/2006/customXml" ds:itemID="{F4C7E9DD-FD39-4258-ACCA-161BEA35866B}">
   <ds:schemaRefs>
-    <ds:schemaRef ds:uri="http://schemas.microsoft.com/office/2006/metadata/contentType"/>
-    <ds:schemaRef ds:uri="http://schemas.microsoft.com/office/2006/metadata/properties/metaAttributes"/>
-    <ds:schemaRef ds:uri="http://www.w3.org/2001/XMLSchema"/>
-    <ds:schemaRef ds:uri="http://schemas.microsoft.com/office/2006/metadata/properties"/>
-    <ds:schemaRef ds:uri="ba304b05-2de2-4a46-be7c-fa23123e7702"/>
-    <ds:schemaRef ds:uri="http://schemas.microsoft.com/office/2006/documentManagement/types"/>
-    <ds:schemaRef ds:uri="http://schemas.microsoft.com/office/infopath/2007/PartnerControls"/>
-    <ds:schemaRef ds:uri="http://schemas.openxmlformats.org/package/2006/metadata/core-properties"/>
-    <ds:schemaRef ds:uri="http://purl.org/dc/elements/1.1/"/>
-    <ds:schemaRef ds:uri="http://purl.org/dc/terms/"/>
-    <ds:schemaRef ds:uri="http://schemas.microsoft.com/internal/obd"/>
+    <ds:schemaRef ds:uri="http://schemas.microsoft.com/sharepoint/v3/contenttype/forms"/>
   </ds:schemaRefs>
 </ds:datastoreItem>
 </file>
@@ -17320,9 +17288,19 @@
 </file>
 
 <file path=customXml/itemProps3.xml><?xml version="1.0" encoding="utf-8"?>
-<ds:datastoreItem xmlns:ds="http://schemas.openxmlformats.org/officeDocument/2006/customXml" ds:itemID="{F4C7E9DD-FD39-4258-ACCA-161BEA35866B}">
+<ds:datastoreItem xmlns:ds="http://schemas.openxmlformats.org/officeDocument/2006/customXml" ds:itemID="{A0A82F11-A615-41E5-B460-7C061A4C892A}">
   <ds:schemaRefs>
-    <ds:schemaRef ds:uri="http://schemas.microsoft.com/sharepoint/v3/contenttype/forms"/>
+    <ds:schemaRef ds:uri="http://schemas.microsoft.com/office/2006/metadata/contentType"/>
+    <ds:schemaRef ds:uri="http://schemas.microsoft.com/office/2006/metadata/properties/metaAttributes"/>
+    <ds:schemaRef ds:uri="http://www.w3.org/2001/XMLSchema"/>
+    <ds:schemaRef ds:uri="http://schemas.microsoft.com/office/2006/metadata/properties"/>
+    <ds:schemaRef ds:uri="ba304b05-2de2-4a46-be7c-fa23123e7702"/>
+    <ds:schemaRef ds:uri="http://schemas.microsoft.com/office/2006/documentManagement/types"/>
+    <ds:schemaRef ds:uri="http://schemas.microsoft.com/office/infopath/2007/PartnerControls"/>
+    <ds:schemaRef ds:uri="http://schemas.openxmlformats.org/package/2006/metadata/core-properties"/>
+    <ds:schemaRef ds:uri="http://purl.org/dc/elements/1.1/"/>
+    <ds:schemaRef ds:uri="http://purl.org/dc/terms/"/>
+    <ds:schemaRef ds:uri="http://schemas.microsoft.com/internal/obd"/>
   </ds:schemaRefs>
 </ds:datastoreItem>
 </file>
--- a/Documents/TB 2015.01.21.pptx
+++ b/Documents/TB 2015.01.21.pptx
@@ -243,7 +243,7 @@
               <a:pPr>
                 <a:defRPr/>
               </a:pPr>
-              <a:t>24/01/2015</a:t>
+              <a:t>26/01/2015</a:t>
             </a:fld>
             <a:endParaRPr lang="fr-FR"/>
           </a:p>
@@ -9357,7 +9357,7 @@
           <p:nvPr>
             <p:extLst>
               <p:ext uri="{D42A27DB-BD31-4B8C-83A1-F6EECF244321}">
-                <p14:modId xmlns:p14="http://schemas.microsoft.com/office/powerpoint/2010/main" val="2898034991"/>
+                <p14:modId xmlns:p14="http://schemas.microsoft.com/office/powerpoint/2010/main" val="2017287313"/>
               </p:ext>
             </p:extLst>
           </p:nvPr>
@@ -9786,6 +9786,14 @@
                     <a:bodyPr/>
                     <a:lstStyle/>
                     <a:p>
+                      <a:r>
+                        <a:rPr lang="fr-FR" sz="1400" dirty="0" smtClean="0">
+                          <a:solidFill>
+                            <a:schemeClr val="tx1"/>
+                          </a:solidFill>
+                        </a:rPr>
+                        <a:t>25/01/15</a:t>
+                      </a:r>
                       <a:endParaRPr lang="fr-FR" sz="1400" dirty="0">
                         <a:solidFill>
                           <a:schemeClr val="tx1"/>
@@ -9958,6 +9966,14 @@
                     <a:bodyPr/>
                     <a:lstStyle/>
                     <a:p>
+                      <a:r>
+                        <a:rPr lang="fr-FR" sz="1400" dirty="0" smtClean="0">
+                          <a:solidFill>
+                            <a:schemeClr val="tx1"/>
+                          </a:solidFill>
+                        </a:rPr>
+                        <a:t>18/01/15</a:t>
+                      </a:r>
                       <a:endParaRPr lang="fr-FR" sz="1400" dirty="0">
                         <a:solidFill>
                           <a:schemeClr val="tx1"/>
@@ -10138,6 +10154,14 @@
                     <a:bodyPr/>
                     <a:lstStyle/>
                     <a:p>
+                      <a:r>
+                        <a:rPr lang="fr-FR" sz="1400" dirty="0" smtClean="0">
+                          <a:solidFill>
+                            <a:schemeClr val="tx1"/>
+                          </a:solidFill>
+                        </a:rPr>
+                        <a:t>24/01/15</a:t>
+                      </a:r>
                       <a:endParaRPr lang="fr-FR" sz="1400" dirty="0">
                         <a:solidFill>
                           <a:schemeClr val="tx1"/>
@@ -10458,6 +10482,14 @@
                     <a:bodyPr/>
                     <a:lstStyle/>
                     <a:p>
+                      <a:r>
+                        <a:rPr lang="fr-FR" sz="1400" dirty="0" smtClean="0">
+                          <a:solidFill>
+                            <a:schemeClr val="tx1"/>
+                          </a:solidFill>
+                        </a:rPr>
+                        <a:t>26/01/15</a:t>
+                      </a:r>
                       <a:endParaRPr lang="fr-FR" sz="1400" dirty="0">
                         <a:solidFill>
                           <a:schemeClr val="tx1"/>
@@ -10967,11 +10999,7 @@
           <a:p>
             <a:r>
               <a:rPr lang="fr-FR" dirty="0" smtClean="0"/>
-              <a:t>Avancement des livrables au </a:t>
-            </a:r>
-            <a:r>
-              <a:rPr lang="fr-FR" dirty="0" smtClean="0"/>
-              <a:t>21/01/15</a:t>
+              <a:t>Avancement des livrables au 21/01/15</a:t>
             </a:r>
             <a:br>
               <a:rPr lang="fr-FR" dirty="0" smtClean="0"/>
@@ -17094,25 +17122,6 @@
 </file>
 
 <file path=customXml/item1.xml><?xml version="1.0" encoding="utf-8"?>
-<?mso-contentType ?>
-<FormTemplates xmlns="http://schemas.microsoft.com/sharepoint/v3/contenttype/forms">
-  <Display>DocumentLibraryForm</Display>
-  <Edit>DocumentLibraryForm</Edit>
-  <New>DocumentLibraryForm</New>
-</FormTemplates>
-</file>
-
-<file path=customXml/item2.xml><?xml version="1.0" encoding="utf-8"?>
-<p:properties xmlns:p="http://schemas.microsoft.com/office/2006/metadata/properties" xmlns:xsi="http://www.w3.org/2001/XMLSchema-instance" xmlns:pc="http://schemas.microsoft.com/office/infopath/2007/PartnerControls">
-  <documentManagement>
-    <DESCRIPTION0 xmlns="ba304b05-2de2-4a46-be7c-fa23123e7702">Exemple de Modele de TB-projet</DESCRIPTION0>
-    <Cat_x00e9_gorie xmlns="ba304b05-2de2-4a46-be7c-fa23123e7702">Etude</Cat_x00e9_gorie>
-    <Statut xmlns="ba304b05-2de2-4a46-be7c-fa23123e7702">Encours</Statut>
-  </documentManagement>
-</p:properties>
-</file>
-
-<file path=customXml/item3.xml><?xml version="1.0" encoding="utf-8"?>
 <ct:contentTypeSchema xmlns:ct="http://schemas.microsoft.com/office/2006/metadata/contentType" xmlns:ma="http://schemas.microsoft.com/office/2006/metadata/properties/metaAttributes" ct:_="" ma:_="" ma:contentTypeName="Document" ma:contentTypeID="0x010100F4FB27D112975140984A018D31E93D46" ma:contentTypeVersion="6" ma:contentTypeDescription="Crée un document." ma:contentTypeScope="" ma:versionID="cd1a5a7e3b4fab495c8d03ccfa007047">
   <xsd:schema xmlns:xsd="http://www.w3.org/2001/XMLSchema" xmlns:xs="http://www.w3.org/2001/XMLSchema" xmlns:p="http://schemas.microsoft.com/office/2006/metadata/properties" xmlns:ns2="ba304b05-2de2-4a46-be7c-fa23123e7702" targetNamespace="http://schemas.microsoft.com/office/2006/metadata/properties" ma:root="true" ma:fieldsID="17380a433e5f01ac948fc83ff4e94548" ns2:_="">
     <xsd:import namespace="ba304b05-2de2-4a46-be7c-fa23123e7702"/>
@@ -17263,10 +17272,39 @@
 </ct:contentTypeSchema>
 </file>
 
+<file path=customXml/item2.xml><?xml version="1.0" encoding="utf-8"?>
+<p:properties xmlns:p="http://schemas.microsoft.com/office/2006/metadata/properties" xmlns:xsi="http://www.w3.org/2001/XMLSchema-instance" xmlns:pc="http://schemas.microsoft.com/office/infopath/2007/PartnerControls">
+  <documentManagement>
+    <DESCRIPTION0 xmlns="ba304b05-2de2-4a46-be7c-fa23123e7702">Exemple de Modele de TB-projet</DESCRIPTION0>
+    <Cat_x00e9_gorie xmlns="ba304b05-2de2-4a46-be7c-fa23123e7702">Etude</Cat_x00e9_gorie>
+    <Statut xmlns="ba304b05-2de2-4a46-be7c-fa23123e7702">Encours</Statut>
+  </documentManagement>
+</p:properties>
+</file>
+
+<file path=customXml/item3.xml><?xml version="1.0" encoding="utf-8"?>
+<?mso-contentType ?>
+<FormTemplates xmlns="http://schemas.microsoft.com/sharepoint/v3/contenttype/forms">
+  <Display>DocumentLibraryForm</Display>
+  <Edit>DocumentLibraryForm</Edit>
+  <New>DocumentLibraryForm</New>
+</FormTemplates>
+</file>
+
 <file path=customXml/itemProps1.xml><?xml version="1.0" encoding="utf-8"?>
-<ds:datastoreItem xmlns:ds="http://schemas.openxmlformats.org/officeDocument/2006/customXml" ds:itemID="{F4C7E9DD-FD39-4258-ACCA-161BEA35866B}">
+<ds:datastoreItem xmlns:ds="http://schemas.openxmlformats.org/officeDocument/2006/customXml" ds:itemID="{A0A82F11-A615-41E5-B460-7C061A4C892A}">
   <ds:schemaRefs>
-    <ds:schemaRef ds:uri="http://schemas.microsoft.com/sharepoint/v3/contenttype/forms"/>
+    <ds:schemaRef ds:uri="http://schemas.microsoft.com/office/2006/metadata/contentType"/>
+    <ds:schemaRef ds:uri="http://schemas.microsoft.com/office/2006/metadata/properties/metaAttributes"/>
+    <ds:schemaRef ds:uri="http://www.w3.org/2001/XMLSchema"/>
+    <ds:schemaRef ds:uri="http://schemas.microsoft.com/office/2006/metadata/properties"/>
+    <ds:schemaRef ds:uri="ba304b05-2de2-4a46-be7c-fa23123e7702"/>
+    <ds:schemaRef ds:uri="http://schemas.microsoft.com/office/2006/documentManagement/types"/>
+    <ds:schemaRef ds:uri="http://schemas.microsoft.com/office/infopath/2007/PartnerControls"/>
+    <ds:schemaRef ds:uri="http://schemas.openxmlformats.org/package/2006/metadata/core-properties"/>
+    <ds:schemaRef ds:uri="http://purl.org/dc/elements/1.1/"/>
+    <ds:schemaRef ds:uri="http://purl.org/dc/terms/"/>
+    <ds:schemaRef ds:uri="http://schemas.microsoft.com/internal/obd"/>
   </ds:schemaRefs>
 </ds:datastoreItem>
 </file>
@@ -17288,19 +17326,9 @@
 </file>
 
 <file path=customXml/itemProps3.xml><?xml version="1.0" encoding="utf-8"?>
-<ds:datastoreItem xmlns:ds="http://schemas.openxmlformats.org/officeDocument/2006/customXml" ds:itemID="{A0A82F11-A615-41E5-B460-7C061A4C892A}">
+<ds:datastoreItem xmlns:ds="http://schemas.openxmlformats.org/officeDocument/2006/customXml" ds:itemID="{F4C7E9DD-FD39-4258-ACCA-161BEA35866B}">
   <ds:schemaRefs>
-    <ds:schemaRef ds:uri="http://schemas.microsoft.com/office/2006/metadata/contentType"/>
-    <ds:schemaRef ds:uri="http://schemas.microsoft.com/office/2006/metadata/properties/metaAttributes"/>
-    <ds:schemaRef ds:uri="http://www.w3.org/2001/XMLSchema"/>
-    <ds:schemaRef ds:uri="http://schemas.microsoft.com/office/2006/metadata/properties"/>
-    <ds:schemaRef ds:uri="ba304b05-2de2-4a46-be7c-fa23123e7702"/>
-    <ds:schemaRef ds:uri="http://schemas.microsoft.com/office/2006/documentManagement/types"/>
-    <ds:schemaRef ds:uri="http://schemas.microsoft.com/office/infopath/2007/PartnerControls"/>
-    <ds:schemaRef ds:uri="http://schemas.openxmlformats.org/package/2006/metadata/core-properties"/>
-    <ds:schemaRef ds:uri="http://purl.org/dc/elements/1.1/"/>
-    <ds:schemaRef ds:uri="http://purl.org/dc/terms/"/>
-    <ds:schemaRef ds:uri="http://schemas.microsoft.com/internal/obd"/>
+    <ds:schemaRef ds:uri="http://schemas.microsoft.com/sharepoint/v3/contenttype/forms"/>
   </ds:schemaRefs>
 </ds:datastoreItem>
 </file>